--- a/포폴 기획.pptx
+++ b/포폴 기획.pptx
@@ -108,6 +108,11 @@
       </a:defRPr>
     </a:lvl9pPr>
   </p:defaultTextStyle>
+  <p:extLst>
+    <p:ext uri="{EFAFB233-063F-42B5-8137-9DF3F51BA10A}">
+      <p15:sldGuideLst xmlns:p15="http://schemas.microsoft.com/office/powerpoint/2012/main"/>
+    </p:ext>
+  </p:extLst>
 </p:presentation>
 </file>
 
@@ -242,7 +247,7 @@
           <a:p>
             <a:fld id="{82B31522-6DAF-470E-9164-0DF8C069E555}" type="datetimeFigureOut">
               <a:rPr lang="ko-KR" altLang="en-US" smtClean="0"/>
-              <a:t>2023-06-30</a:t>
+              <a:t>2023-07-01</a:t>
             </a:fld>
             <a:endParaRPr lang="ko-KR" altLang="en-US"/>
           </a:p>
@@ -412,7 +417,7 @@
           <a:p>
             <a:fld id="{82B31522-6DAF-470E-9164-0DF8C069E555}" type="datetimeFigureOut">
               <a:rPr lang="ko-KR" altLang="en-US" smtClean="0"/>
-              <a:t>2023-06-30</a:t>
+              <a:t>2023-07-01</a:t>
             </a:fld>
             <a:endParaRPr lang="ko-KR" altLang="en-US"/>
           </a:p>
@@ -592,7 +597,7 @@
           <a:p>
             <a:fld id="{82B31522-6DAF-470E-9164-0DF8C069E555}" type="datetimeFigureOut">
               <a:rPr lang="ko-KR" altLang="en-US" smtClean="0"/>
-              <a:t>2023-06-30</a:t>
+              <a:t>2023-07-01</a:t>
             </a:fld>
             <a:endParaRPr lang="ko-KR" altLang="en-US"/>
           </a:p>
@@ -762,7 +767,7 @@
           <a:p>
             <a:fld id="{82B31522-6DAF-470E-9164-0DF8C069E555}" type="datetimeFigureOut">
               <a:rPr lang="ko-KR" altLang="en-US" smtClean="0"/>
-              <a:t>2023-06-30</a:t>
+              <a:t>2023-07-01</a:t>
             </a:fld>
             <a:endParaRPr lang="ko-KR" altLang="en-US"/>
           </a:p>
@@ -1008,7 +1013,7 @@
           <a:p>
             <a:fld id="{82B31522-6DAF-470E-9164-0DF8C069E555}" type="datetimeFigureOut">
               <a:rPr lang="ko-KR" altLang="en-US" smtClean="0"/>
-              <a:t>2023-06-30</a:t>
+              <a:t>2023-07-01</a:t>
             </a:fld>
             <a:endParaRPr lang="ko-KR" altLang="en-US"/>
           </a:p>
@@ -1240,7 +1245,7 @@
           <a:p>
             <a:fld id="{82B31522-6DAF-470E-9164-0DF8C069E555}" type="datetimeFigureOut">
               <a:rPr lang="ko-KR" altLang="en-US" smtClean="0"/>
-              <a:t>2023-06-30</a:t>
+              <a:t>2023-07-01</a:t>
             </a:fld>
             <a:endParaRPr lang="ko-KR" altLang="en-US"/>
           </a:p>
@@ -1607,7 +1612,7 @@
           <a:p>
             <a:fld id="{82B31522-6DAF-470E-9164-0DF8C069E555}" type="datetimeFigureOut">
               <a:rPr lang="ko-KR" altLang="en-US" smtClean="0"/>
-              <a:t>2023-06-30</a:t>
+              <a:t>2023-07-01</a:t>
             </a:fld>
             <a:endParaRPr lang="ko-KR" altLang="en-US"/>
           </a:p>
@@ -1725,7 +1730,7 @@
           <a:p>
             <a:fld id="{82B31522-6DAF-470E-9164-0DF8C069E555}" type="datetimeFigureOut">
               <a:rPr lang="ko-KR" altLang="en-US" smtClean="0"/>
-              <a:t>2023-06-30</a:t>
+              <a:t>2023-07-01</a:t>
             </a:fld>
             <a:endParaRPr lang="ko-KR" altLang="en-US"/>
           </a:p>
@@ -1820,7 +1825,7 @@
           <a:p>
             <a:fld id="{82B31522-6DAF-470E-9164-0DF8C069E555}" type="datetimeFigureOut">
               <a:rPr lang="ko-KR" altLang="en-US" smtClean="0"/>
-              <a:t>2023-06-30</a:t>
+              <a:t>2023-07-01</a:t>
             </a:fld>
             <a:endParaRPr lang="ko-KR" altLang="en-US"/>
           </a:p>
@@ -2097,7 +2102,7 @@
           <a:p>
             <a:fld id="{82B31522-6DAF-470E-9164-0DF8C069E555}" type="datetimeFigureOut">
               <a:rPr lang="ko-KR" altLang="en-US" smtClean="0"/>
-              <a:t>2023-06-30</a:t>
+              <a:t>2023-07-01</a:t>
             </a:fld>
             <a:endParaRPr lang="ko-KR" altLang="en-US"/>
           </a:p>
@@ -2350,7 +2355,7 @@
           <a:p>
             <a:fld id="{82B31522-6DAF-470E-9164-0DF8C069E555}" type="datetimeFigureOut">
               <a:rPr lang="ko-KR" altLang="en-US" smtClean="0"/>
-              <a:t>2023-06-30</a:t>
+              <a:t>2023-07-01</a:t>
             </a:fld>
             <a:endParaRPr lang="ko-KR" altLang="en-US"/>
           </a:p>
@@ -2563,7 +2568,7 @@
           <a:p>
             <a:fld id="{82B31522-6DAF-470E-9164-0DF8C069E555}" type="datetimeFigureOut">
               <a:rPr lang="ko-KR" altLang="en-US" smtClean="0"/>
-              <a:t>2023-06-30</a:t>
+              <a:t>2023-07-01</a:t>
             </a:fld>
             <a:endParaRPr lang="ko-KR" altLang="en-US"/>
           </a:p>
@@ -3062,7 +3067,7 @@
         <p:spPr>
           <a:xfrm>
             <a:off x="714374" y="1200150"/>
-            <a:ext cx="9629776" cy="5493812"/>
+            <a:ext cx="9629776" cy="4939814"/>
           </a:xfrm>
           <a:prstGeom prst="rect">
             <a:avLst/>
@@ -3542,72 +3547,9 @@
               <a:t>	</a:t>
             </a:r>
             <a:r>
-              <a:rPr lang="en-US" altLang="ko-KR" dirty="0" smtClean="0"/>
+              <a:rPr lang="en-US" altLang="ko-KR" smtClean="0"/>
               <a:t>	</a:t>
             </a:r>
-            <a:r>
-              <a:rPr lang="ko-KR" altLang="en-US" dirty="0" smtClean="0"/>
-              <a:t>시간이 모자라거나 제가 </a:t>
-            </a:r>
-            <a:r>
-              <a:rPr lang="ko-KR" altLang="en-US" dirty="0" err="1" smtClean="0"/>
-              <a:t>못따라가면</a:t>
-            </a:r>
-            <a:r>
-              <a:rPr lang="ko-KR" altLang="en-US" dirty="0" smtClean="0"/>
-              <a:t> </a:t>
-            </a:r>
-            <a:r>
-              <a:rPr lang="ko-KR" altLang="en-US" dirty="0" err="1" smtClean="0"/>
-              <a:t>인벤토리</a:t>
-            </a:r>
-            <a:r>
-              <a:rPr lang="en-US" altLang="ko-KR" dirty="0" smtClean="0"/>
-              <a:t>, </a:t>
-            </a:r>
-            <a:r>
-              <a:rPr lang="ko-KR" altLang="en-US" dirty="0" err="1" smtClean="0"/>
-              <a:t>스탯을</a:t>
-            </a:r>
-            <a:r>
-              <a:rPr lang="ko-KR" altLang="en-US" dirty="0" smtClean="0"/>
-              <a:t> </a:t>
-            </a:r>
-            <a:r>
-              <a:rPr lang="ko-KR" altLang="en-US" dirty="0" err="1" smtClean="0"/>
-              <a:t>뱀서처럼</a:t>
-            </a:r>
-            <a:r>
-              <a:rPr lang="ko-KR" altLang="en-US" dirty="0" smtClean="0"/>
-              <a:t> 그냥 </a:t>
-            </a:r>
-            <a:r>
-              <a:rPr lang="ko-KR" altLang="en-US" dirty="0" err="1" smtClean="0"/>
-              <a:t>캐쥬</a:t>
-            </a:r>
-            <a:r>
-              <a:rPr lang="en-US" altLang="ko-KR" dirty="0" smtClean="0"/>
-              <a:t>		</a:t>
-            </a:r>
-            <a:r>
-              <a:rPr lang="ko-KR" altLang="en-US" dirty="0" err="1" smtClean="0"/>
-              <a:t>얼하게</a:t>
-            </a:r>
-            <a:r>
-              <a:rPr lang="ko-KR" altLang="en-US" dirty="0" smtClean="0"/>
-              <a:t> 찍는 시스템으로 </a:t>
-            </a:r>
-            <a:r>
-              <a:rPr lang="ko-KR" altLang="en-US" dirty="0" err="1" smtClean="0"/>
-              <a:t>변경하려고합니다</a:t>
-            </a:r>
-            <a:r>
-              <a:rPr lang="en-US" altLang="ko-KR" dirty="0" smtClean="0"/>
-              <a:t>.</a:t>
-            </a:r>
-            <a:endParaRPr lang="en-US" altLang="ko-KR" dirty="0"/>
-          </a:p>
-          <a:p>
             <a:endParaRPr lang="en-US" altLang="ko-KR" dirty="0" smtClean="0"/>
           </a:p>
           <a:p>
